--- a/presentation.pptx
+++ b/presentation.pptx
@@ -9,6 +9,7 @@
     <p:sldId id="257" r:id="rId3"/>
     <p:sldId id="258" r:id="rId4"/>
     <p:sldId id="259" r:id="rId5"/>
+    <p:sldId id="260" r:id="rId6"/>
   </p:sldIdLst>
   <p:sldSz cx="9144000" cy="6858000" type="screen4x3"/>
   <p:notesSz cx="6858000" cy="9144000"/>
@@ -994,6 +995,13 @@
         </dgm:presLayoutVars>
       </dgm:prSet>
       <dgm:spPr/>
+      <dgm:t>
+        <a:bodyPr/>
+        <a:lstStyle/>
+        <a:p>
+          <a:endParaRPr lang="zh-CN" altLang="en-US"/>
+        </a:p>
+      </dgm:t>
     </dgm:pt>
     <dgm:pt modelId="{BF8EF955-42FF-4279-A334-064D0EA3E4C6}" type="pres">
       <dgm:prSet presAssocID="{B0C3C3E1-49B8-474E-A688-121CE931BB43}" presName="comp" presStyleCnt="0"/>
@@ -1002,6 +1010,13 @@
     <dgm:pt modelId="{8DEADAF8-25C5-4093-8643-8F85A6728238}" type="pres">
       <dgm:prSet presAssocID="{B0C3C3E1-49B8-474E-A688-121CE931BB43}" presName="box" presStyleLbl="node1" presStyleIdx="0" presStyleCnt="3"/>
       <dgm:spPr/>
+      <dgm:t>
+        <a:bodyPr/>
+        <a:lstStyle/>
+        <a:p>
+          <a:endParaRPr lang="zh-CN" altLang="en-US"/>
+        </a:p>
+      </dgm:t>
     </dgm:pt>
     <dgm:pt modelId="{74DA16B2-8340-4019-9203-B29057E84034}" type="pres">
       <dgm:prSet presAssocID="{B0C3C3E1-49B8-474E-A688-121CE931BB43}" presName="img" presStyleLbl="fgImgPlace1" presStyleIdx="0" presStyleCnt="3"/>
@@ -1014,6 +1029,13 @@
         </dgm:presLayoutVars>
       </dgm:prSet>
       <dgm:spPr/>
+      <dgm:t>
+        <a:bodyPr/>
+        <a:lstStyle/>
+        <a:p>
+          <a:endParaRPr lang="zh-CN" altLang="en-US"/>
+        </a:p>
+      </dgm:t>
     </dgm:pt>
     <dgm:pt modelId="{1A43E598-C1AF-49CD-B03C-CE864059EDD6}" type="pres">
       <dgm:prSet presAssocID="{CA555C1C-24EF-4DF2-BCFB-808C1A97ABD7}" presName="spacer" presStyleCnt="0"/>
@@ -1026,6 +1048,13 @@
     <dgm:pt modelId="{B6940FFA-42AA-476E-8CCD-0946CC43F913}" type="pres">
       <dgm:prSet presAssocID="{BF0B1A9C-C638-4396-A958-FFED379875E5}" presName="box" presStyleLbl="node1" presStyleIdx="1" presStyleCnt="3"/>
       <dgm:spPr/>
+      <dgm:t>
+        <a:bodyPr/>
+        <a:lstStyle/>
+        <a:p>
+          <a:endParaRPr lang="zh-CN" altLang="en-US"/>
+        </a:p>
+      </dgm:t>
     </dgm:pt>
     <dgm:pt modelId="{E1CF4C7F-0B98-4D49-A45D-4D994ED65361}" type="pres">
       <dgm:prSet presAssocID="{BF0B1A9C-C638-4396-A958-FFED379875E5}" presName="img" presStyleLbl="fgImgPlace1" presStyleIdx="1" presStyleCnt="3"/>
@@ -1038,6 +1067,13 @@
         </dgm:presLayoutVars>
       </dgm:prSet>
       <dgm:spPr/>
+      <dgm:t>
+        <a:bodyPr/>
+        <a:lstStyle/>
+        <a:p>
+          <a:endParaRPr lang="zh-CN" altLang="en-US"/>
+        </a:p>
+      </dgm:t>
     </dgm:pt>
     <dgm:pt modelId="{D6AECE46-C9E8-4533-94C1-5C925C59FB5D}" type="pres">
       <dgm:prSet presAssocID="{3E18B22C-99B9-400D-AF92-3E66B1806C7E}" presName="spacer" presStyleCnt="0"/>
@@ -1050,6 +1086,13 @@
     <dgm:pt modelId="{71C137F5-755B-4767-B638-1DF036768AF9}" type="pres">
       <dgm:prSet presAssocID="{DFB99D2A-ECC6-45FF-A8DE-7A9053F5FC6D}" presName="box" presStyleLbl="node1" presStyleIdx="2" presStyleCnt="3"/>
       <dgm:spPr/>
+      <dgm:t>
+        <a:bodyPr/>
+        <a:lstStyle/>
+        <a:p>
+          <a:endParaRPr lang="zh-CN" altLang="en-US"/>
+        </a:p>
+      </dgm:t>
     </dgm:pt>
     <dgm:pt modelId="{619790D4-52B9-46E5-B502-47AC80E4300D}" type="pres">
       <dgm:prSet presAssocID="{DFB99D2A-ECC6-45FF-A8DE-7A9053F5FC6D}" presName="img" presStyleLbl="fgImgPlace1" presStyleIdx="2" presStyleCnt="3"/>
@@ -1062,6 +1105,13 @@
         </dgm:presLayoutVars>
       </dgm:prSet>
       <dgm:spPr/>
+      <dgm:t>
+        <a:bodyPr/>
+        <a:lstStyle/>
+        <a:p>
+          <a:endParaRPr lang="zh-CN" altLang="en-US"/>
+        </a:p>
+      </dgm:t>
     </dgm:pt>
   </dgm:ptLst>
   <dgm:cxnLst>
@@ -1070,8 +1120,8 @@
     <dgm:cxn modelId="{1E4C759B-DC61-47E6-9D6F-A91819C4A57F}" type="presOf" srcId="{B0C3C3E1-49B8-474E-A688-121CE931BB43}" destId="{9A2BCF34-20AE-4E63-97BA-D26C099C1815}" srcOrd="1" destOrd="0" presId="urn:microsoft.com/office/officeart/2005/8/layout/vList4"/>
     <dgm:cxn modelId="{09B60918-821D-4F2B-992C-A9BF35909DF1}" type="presOf" srcId="{B0C3C3E1-49B8-474E-A688-121CE931BB43}" destId="{8DEADAF8-25C5-4093-8643-8F85A6728238}" srcOrd="0" destOrd="0" presId="urn:microsoft.com/office/officeart/2005/8/layout/vList4"/>
     <dgm:cxn modelId="{6CA4D850-2BDA-4492-A7F9-0903DEA4DB9D}" srcId="{DA84C7ED-682D-40F4-99DD-7F5660E62A03}" destId="{B0C3C3E1-49B8-474E-A688-121CE931BB43}" srcOrd="0" destOrd="0" parTransId="{21BD3B19-17F3-4D4D-9FD8-EEE098CF4D31}" sibTransId="{CA555C1C-24EF-4DF2-BCFB-808C1A97ABD7}"/>
+    <dgm:cxn modelId="{EB971DB5-9E07-4C20-A69C-AFD74FED1759}" type="presOf" srcId="{BF0B1A9C-C638-4396-A958-FFED379875E5}" destId="{B6940FFA-42AA-476E-8CCD-0946CC43F913}" srcOrd="0" destOrd="0" presId="urn:microsoft.com/office/officeart/2005/8/layout/vList4"/>
     <dgm:cxn modelId="{0FFEE42B-86D2-4BCD-8F98-A73D884B77C8}" srcId="{DA84C7ED-682D-40F4-99DD-7F5660E62A03}" destId="{DFB99D2A-ECC6-45FF-A8DE-7A9053F5FC6D}" srcOrd="2" destOrd="0" parTransId="{552DDCC7-30DB-4A32-8C74-D7D26C273E0A}" sibTransId="{A55C2E93-1534-47D0-8094-8BADD2AA90A6}"/>
-    <dgm:cxn modelId="{EB971DB5-9E07-4C20-A69C-AFD74FED1759}" type="presOf" srcId="{BF0B1A9C-C638-4396-A958-FFED379875E5}" destId="{B6940FFA-42AA-476E-8CCD-0946CC43F913}" srcOrd="0" destOrd="0" presId="urn:microsoft.com/office/officeart/2005/8/layout/vList4"/>
     <dgm:cxn modelId="{CDBE4FAF-2646-4DEC-A514-79E9F4BF9DC7}" type="presOf" srcId="{DFB99D2A-ECC6-45FF-A8DE-7A9053F5FC6D}" destId="{0A5CD429-6585-49C0-A1B1-681A83AD5A80}" srcOrd="1" destOrd="0" presId="urn:microsoft.com/office/officeart/2005/8/layout/vList4"/>
     <dgm:cxn modelId="{BC6A0FEE-74A6-4902-8973-EF78001B4556}" type="presOf" srcId="{DA84C7ED-682D-40F4-99DD-7F5660E62A03}" destId="{7FFC0B04-937C-40DD-A295-00DF343B95DB}" srcOrd="0" destOrd="0" presId="urn:microsoft.com/office/officeart/2005/8/layout/vList4"/>
     <dgm:cxn modelId="{3DA865D1-4843-4069-BE67-7BB685D9C887}" type="presOf" srcId="{DFB99D2A-ECC6-45FF-A8DE-7A9053F5FC6D}" destId="{71C137F5-755B-4767-B638-1DF036768AF9}" srcOrd="0" destOrd="0" presId="urn:microsoft.com/office/officeart/2005/8/layout/vList4"/>
@@ -4664,7 +4714,7 @@
           <a:p>
             <a:fld id="{85A52230-55BD-4C70-AE21-800749E5AA12}" type="datetimeFigureOut">
               <a:rPr lang="zh-CN" altLang="en-US" smtClean="0"/>
-              <a:t>2011/1/19</a:t>
+              <a:t>2011/1/20</a:t>
             </a:fld>
             <a:endParaRPr lang="zh-CN" altLang="en-US"/>
           </a:p>
@@ -4845,7 +4895,7 @@
           <a:p>
             <a:fld id="{85A52230-55BD-4C70-AE21-800749E5AA12}" type="datetimeFigureOut">
               <a:rPr lang="zh-CN" altLang="en-US" smtClean="0"/>
-              <a:t>2011/1/19</a:t>
+              <a:t>2011/1/20</a:t>
             </a:fld>
             <a:endParaRPr lang="zh-CN" altLang="en-US"/>
           </a:p>
@@ -4996,7 +5046,7 @@
           <a:p>
             <a:fld id="{85A52230-55BD-4C70-AE21-800749E5AA12}" type="datetimeFigureOut">
               <a:rPr lang="zh-CN" altLang="en-US" smtClean="0"/>
-              <a:t>2011/1/19</a:t>
+              <a:t>2011/1/20</a:t>
             </a:fld>
             <a:endParaRPr lang="zh-CN" altLang="en-US"/>
           </a:p>
@@ -6822,7 +6872,7 @@
           <a:p>
             <a:fld id="{85A52230-55BD-4C70-AE21-800749E5AA12}" type="datetimeFigureOut">
               <a:rPr lang="zh-CN" altLang="en-US" smtClean="0"/>
-              <a:t>2011/1/19</a:t>
+              <a:t>2011/1/20</a:t>
             </a:fld>
             <a:endParaRPr lang="zh-CN" altLang="en-US"/>
           </a:p>
@@ -8692,7 +8742,7 @@
           <a:p>
             <a:fld id="{85A52230-55BD-4C70-AE21-800749E5AA12}" type="datetimeFigureOut">
               <a:rPr lang="zh-CN" altLang="en-US" smtClean="0"/>
-              <a:t>2011/1/19</a:t>
+              <a:t>2011/1/20</a:t>
             </a:fld>
             <a:endParaRPr lang="zh-CN" altLang="en-US"/>
           </a:p>
@@ -8805,7 +8855,7 @@
           <a:p>
             <a:fld id="{85A52230-55BD-4C70-AE21-800749E5AA12}" type="datetimeFigureOut">
               <a:rPr lang="zh-CN" altLang="en-US" smtClean="0"/>
-              <a:t>2011/1/19</a:t>
+              <a:t>2011/1/20</a:t>
             </a:fld>
             <a:endParaRPr lang="zh-CN" altLang="en-US"/>
           </a:p>
@@ -9346,7 +9396,7 @@
           <a:p>
             <a:fld id="{85A52230-55BD-4C70-AE21-800749E5AA12}" type="datetimeFigureOut">
               <a:rPr lang="zh-CN" altLang="en-US" smtClean="0"/>
-              <a:t>2011/1/19</a:t>
+              <a:t>2011/1/20</a:t>
             </a:fld>
             <a:endParaRPr lang="zh-CN" altLang="en-US"/>
           </a:p>
@@ -9459,7 +9509,7 @@
           <a:p>
             <a:fld id="{85A52230-55BD-4C70-AE21-800749E5AA12}" type="datetimeFigureOut">
               <a:rPr lang="zh-CN" altLang="en-US" smtClean="0"/>
-              <a:t>2011/1/19</a:t>
+              <a:t>2011/1/20</a:t>
             </a:fld>
             <a:endParaRPr lang="zh-CN" altLang="en-US"/>
           </a:p>
@@ -11170,7 +11220,7 @@
           <a:p>
             <a:fld id="{85A52230-55BD-4C70-AE21-800749E5AA12}" type="datetimeFigureOut">
               <a:rPr lang="zh-CN" altLang="en-US" smtClean="0"/>
-              <a:t>2011/1/19</a:t>
+              <a:t>2011/1/20</a:t>
             </a:fld>
             <a:endParaRPr lang="zh-CN" altLang="en-US"/>
           </a:p>
@@ -11321,7 +11371,7 @@
           <a:p>
             <a:fld id="{85A52230-55BD-4C70-AE21-800749E5AA12}" type="datetimeFigureOut">
               <a:rPr lang="zh-CN" altLang="en-US" smtClean="0"/>
-              <a:t>2011/1/19</a:t>
+              <a:t>2011/1/20</a:t>
             </a:fld>
             <a:endParaRPr lang="zh-CN" altLang="en-US"/>
           </a:p>
@@ -14936,7 +14986,7 @@
           <a:p>
             <a:fld id="{85A52230-55BD-4C70-AE21-800749E5AA12}" type="datetimeFigureOut">
               <a:rPr lang="zh-CN" altLang="en-US" smtClean="0"/>
-              <a:t>2011/1/19</a:t>
+              <a:t>2011/1/20</a:t>
             </a:fld>
             <a:endParaRPr lang="zh-CN" altLang="en-US"/>
           </a:p>
@@ -16795,7 +16845,7 @@
           <a:p>
             <a:fld id="{85A52230-55BD-4C70-AE21-800749E5AA12}" type="datetimeFigureOut">
               <a:rPr lang="zh-CN" altLang="en-US" smtClean="0"/>
-              <a:t>2011/1/19</a:t>
+              <a:t>2011/1/20</a:t>
             </a:fld>
             <a:endParaRPr lang="zh-CN" altLang="en-US"/>
           </a:p>
@@ -17890,6 +17940,240 @@
 </p:sld>
 </file>
 
+<file path=ppt/slides/slide5.xml><?xml version="1.0" encoding="utf-8"?>
+<p:sld xmlns:a="http://schemas.openxmlformats.org/drawingml/2006/main" xmlns:r="http://schemas.openxmlformats.org/officeDocument/2006/relationships" xmlns:p="http://schemas.openxmlformats.org/presentationml/2006/main">
+  <p:cSld>
+    <p:spTree>
+      <p:nvGrpSpPr>
+        <p:cNvPr id="1" name=""/>
+        <p:cNvGrpSpPr/>
+        <p:nvPr/>
+      </p:nvGrpSpPr>
+      <p:grpSpPr>
+        <a:xfrm>
+          <a:off x="0" y="0"/>
+          <a:ext cx="0" cy="0"/>
+          <a:chOff x="0" y="0"/>
+          <a:chExt cx="0" cy="0"/>
+        </a:xfrm>
+      </p:grpSpPr>
+      <p:sp>
+        <p:nvSpPr>
+          <p:cNvPr id="3" name="标题 2"/>
+          <p:cNvSpPr>
+            <a:spLocks noGrp="1"/>
+          </p:cNvSpPr>
+          <p:nvPr>
+            <p:ph type="title"/>
+          </p:nvPr>
+        </p:nvSpPr>
+        <p:spPr/>
+        <p:txBody>
+          <a:bodyPr/>
+          <a:lstStyle/>
+          <a:p>
+            <a:r>
+              <a:rPr lang="en-US" altLang="zh-CN" dirty="0" smtClean="0"/>
+              <a:t>Asp.net </a:t>
+            </a:r>
+            <a:r>
+              <a:rPr lang="en-US" altLang="zh-CN" dirty="0" err="1" smtClean="0"/>
+              <a:t>mvc</a:t>
+            </a:r>
+            <a:r>
+              <a:rPr lang="en-US" altLang="zh-CN" dirty="0" smtClean="0"/>
+              <a:t> </a:t>
+            </a:r>
+            <a:r>
+              <a:rPr lang="zh-CN" altLang="en-US" dirty="0" smtClean="0"/>
+              <a:t>原理</a:t>
+            </a:r>
+            <a:endParaRPr lang="zh-CN" altLang="en-US" dirty="0"/>
+          </a:p>
+        </p:txBody>
+      </p:sp>
+      <p:sp>
+        <p:nvSpPr>
+          <p:cNvPr id="5" name="内容占位符 4"/>
+          <p:cNvSpPr>
+            <a:spLocks noGrp="1"/>
+          </p:cNvSpPr>
+          <p:nvPr>
+            <p:ph idx="1"/>
+          </p:nvPr>
+        </p:nvSpPr>
+        <p:spPr>
+          <a:xfrm>
+            <a:off x="872067" y="2276872"/>
+            <a:ext cx="7408333" cy="3849291"/>
+          </a:xfrm>
+        </p:spPr>
+        <p:txBody>
+          <a:bodyPr>
+            <a:normAutofit fontScale="92500" lnSpcReduction="10000"/>
+          </a:bodyPr>
+          <a:lstStyle/>
+          <a:p>
+            <a:pPr lvl="0"/>
+            <a:r>
+              <a:rPr lang="en-US" altLang="zh-CN" dirty="0" smtClean="0"/>
+              <a:t>GET example.com/lookup/</a:t>
+            </a:r>
+            <a:r>
+              <a:rPr lang="en-US" altLang="zh-CN" dirty="0" err="1" smtClean="0"/>
+              <a:t>index?queryword</a:t>
+            </a:r>
+            <a:r>
+              <a:rPr lang="en-US" altLang="zh-CN" dirty="0" smtClean="0"/>
+              <a:t>=azure</a:t>
+            </a:r>
+            <a:endParaRPr lang="zh-CN" altLang="en-US" dirty="0" smtClean="0"/>
+          </a:p>
+          <a:p>
+            <a:r>
+              <a:rPr lang="en-US" altLang="zh-CN" dirty="0" err="1" smtClean="0"/>
+              <a:t>RouteHandler</a:t>
+            </a:r>
+            <a:r>
+              <a:rPr lang="zh-CN" altLang="en-US" dirty="0" smtClean="0"/>
+              <a:t>解析</a:t>
+            </a:r>
+            <a:r>
+              <a:rPr lang="en-US" altLang="zh-CN" dirty="0" err="1" smtClean="0"/>
+              <a:t>url</a:t>
+            </a:r>
+            <a:endParaRPr lang="en-US" altLang="zh-CN" dirty="0" smtClean="0"/>
+          </a:p>
+          <a:p>
+            <a:pPr lvl="1"/>
+            <a:r>
+              <a:rPr lang="en-US" altLang="zh-CN" dirty="0" smtClean="0"/>
+              <a:t>Controller name= lookup</a:t>
+            </a:r>
+          </a:p>
+          <a:p>
+            <a:pPr lvl="1"/>
+            <a:r>
+              <a:rPr lang="en-US" altLang="zh-CN" dirty="0" smtClean="0"/>
+              <a:t>Action name= index</a:t>
+            </a:r>
+          </a:p>
+          <a:p>
+            <a:pPr lvl="1"/>
+            <a:r>
+              <a:rPr lang="en-US" altLang="zh-CN" dirty="0" smtClean="0"/>
+              <a:t>Parameters = {</a:t>
+            </a:r>
+            <a:r>
+              <a:rPr lang="en-US" altLang="zh-CN" dirty="0" err="1" smtClean="0"/>
+              <a:t>queryword</a:t>
+            </a:r>
+            <a:r>
+              <a:rPr lang="en-US" altLang="zh-CN" dirty="0" smtClean="0"/>
+              <a:t> = “azure”}</a:t>
+            </a:r>
+          </a:p>
+          <a:p>
+            <a:r>
+              <a:rPr lang="zh-CN" altLang="en-US" dirty="0"/>
+              <a:t>由</a:t>
+            </a:r>
+            <a:r>
+              <a:rPr lang="en-US" altLang="zh-CN" dirty="0"/>
+              <a:t>controller</a:t>
+            </a:r>
+            <a:r>
+              <a:rPr lang="zh-CN" altLang="en-US" dirty="0"/>
+              <a:t>和</a:t>
+            </a:r>
+            <a:r>
+              <a:rPr lang="en-US" altLang="zh-CN" dirty="0"/>
+              <a:t>action</a:t>
+            </a:r>
+            <a:r>
+              <a:rPr lang="zh-CN" altLang="en-US" dirty="0"/>
+              <a:t>名称在配置文件中找到相应的</a:t>
+            </a:r>
+            <a:r>
+              <a:rPr lang="en-US" altLang="zh-CN" dirty="0"/>
+              <a:t>controller</a:t>
+            </a:r>
+            <a:r>
+              <a:rPr lang="zh-CN" altLang="en-US" dirty="0"/>
+              <a:t>和处理函数</a:t>
+            </a:r>
+          </a:p>
+          <a:p>
+            <a:pPr lvl="1"/>
+            <a:r>
+              <a:rPr lang="zh-CN" altLang="en-US" dirty="0" smtClean="0"/>
+              <a:t>由控制器工厂生成</a:t>
+            </a:r>
+            <a:r>
+              <a:rPr lang="en-US" altLang="zh-CN" dirty="0" err="1" smtClean="0"/>
+              <a:t>LookUpController</a:t>
+            </a:r>
+            <a:endParaRPr lang="en-US" altLang="zh-CN" dirty="0" smtClean="0"/>
+          </a:p>
+          <a:p>
+            <a:pPr lvl="1"/>
+            <a:r>
+              <a:rPr lang="zh-CN" altLang="en-US" dirty="0" smtClean="0"/>
+              <a:t>调用</a:t>
+            </a:r>
+            <a:r>
+              <a:rPr lang="en-US" altLang="zh-CN" dirty="0" err="1" smtClean="0"/>
+              <a:t>LookUpController.Index</a:t>
+            </a:r>
+            <a:r>
+              <a:rPr lang="en-US" altLang="zh-CN" dirty="0" smtClean="0"/>
+              <a:t>(</a:t>
+            </a:r>
+            <a:r>
+              <a:rPr lang="en-US" altLang="zh-CN" dirty="0" err="1" smtClean="0"/>
+              <a:t>queryword</a:t>
+            </a:r>
+            <a:r>
+              <a:rPr lang="en-US" altLang="zh-CN" dirty="0" smtClean="0"/>
+              <a:t> = “azure”)</a:t>
+            </a:r>
+            <a:endParaRPr lang="zh-CN" altLang="en-US" dirty="0"/>
+          </a:p>
+          <a:p>
+            <a:endParaRPr lang="en-US" altLang="zh-CN" dirty="0" smtClean="0"/>
+          </a:p>
+          <a:p>
+            <a:pPr marL="301943" lvl="1" indent="0">
+              <a:buNone/>
+            </a:pPr>
+            <a:r>
+              <a:rPr lang="en-US" altLang="zh-CN" dirty="0"/>
+              <a:t>	</a:t>
+            </a:r>
+            <a:endParaRPr lang="zh-CN" altLang="en-US" dirty="0"/>
+          </a:p>
+        </p:txBody>
+      </p:sp>
+    </p:spTree>
+    <p:extLst>
+      <p:ext uri="{BB962C8B-B14F-4D97-AF65-F5344CB8AC3E}">
+        <p14:creationId xmlns:p14="http://schemas.microsoft.com/office/powerpoint/2010/main" val="882347080"/>
+      </p:ext>
+    </p:extLst>
+  </p:cSld>
+  <p:clrMapOvr>
+    <a:masterClrMapping/>
+  </p:clrMapOvr>
+  <p:timing>
+    <p:tnLst>
+      <p:par>
+        <p:cTn id="1" dur="indefinite" restart="never" nodeType="tmRoot"/>
+      </p:par>
+    </p:tnLst>
+  </p:timing>
+</p:sld>
+</file>
+
 <file path=ppt/theme/theme1.xml><?xml version="1.0" encoding="utf-8"?>
 <a:theme xmlns:a="http://schemas.openxmlformats.org/drawingml/2006/main" name="波形">
   <a:themeElements>

--- a/presentation.pptx
+++ b/presentation.pptx
@@ -10,6 +10,7 @@
     <p:sldId id="258" r:id="rId4"/>
     <p:sldId id="259" r:id="rId5"/>
     <p:sldId id="260" r:id="rId6"/>
+    <p:sldId id="261" r:id="rId7"/>
   </p:sldIdLst>
   <p:sldSz cx="9144000" cy="6858000" type="screen4x3"/>
   <p:notesSz cx="6858000" cy="9144000"/>
@@ -1120,8 +1121,8 @@
     <dgm:cxn modelId="{1E4C759B-DC61-47E6-9D6F-A91819C4A57F}" type="presOf" srcId="{B0C3C3E1-49B8-474E-A688-121CE931BB43}" destId="{9A2BCF34-20AE-4E63-97BA-D26C099C1815}" srcOrd="1" destOrd="0" presId="urn:microsoft.com/office/officeart/2005/8/layout/vList4"/>
     <dgm:cxn modelId="{09B60918-821D-4F2B-992C-A9BF35909DF1}" type="presOf" srcId="{B0C3C3E1-49B8-474E-A688-121CE931BB43}" destId="{8DEADAF8-25C5-4093-8643-8F85A6728238}" srcOrd="0" destOrd="0" presId="urn:microsoft.com/office/officeart/2005/8/layout/vList4"/>
     <dgm:cxn modelId="{6CA4D850-2BDA-4492-A7F9-0903DEA4DB9D}" srcId="{DA84C7ED-682D-40F4-99DD-7F5660E62A03}" destId="{B0C3C3E1-49B8-474E-A688-121CE931BB43}" srcOrd="0" destOrd="0" parTransId="{21BD3B19-17F3-4D4D-9FD8-EEE098CF4D31}" sibTransId="{CA555C1C-24EF-4DF2-BCFB-808C1A97ABD7}"/>
+    <dgm:cxn modelId="{0FFEE42B-86D2-4BCD-8F98-A73D884B77C8}" srcId="{DA84C7ED-682D-40F4-99DD-7F5660E62A03}" destId="{DFB99D2A-ECC6-45FF-A8DE-7A9053F5FC6D}" srcOrd="2" destOrd="0" parTransId="{552DDCC7-30DB-4A32-8C74-D7D26C273E0A}" sibTransId="{A55C2E93-1534-47D0-8094-8BADD2AA90A6}"/>
     <dgm:cxn modelId="{EB971DB5-9E07-4C20-A69C-AFD74FED1759}" type="presOf" srcId="{BF0B1A9C-C638-4396-A958-FFED379875E5}" destId="{B6940FFA-42AA-476E-8CCD-0946CC43F913}" srcOrd="0" destOrd="0" presId="urn:microsoft.com/office/officeart/2005/8/layout/vList4"/>
-    <dgm:cxn modelId="{0FFEE42B-86D2-4BCD-8F98-A73D884B77C8}" srcId="{DA84C7ED-682D-40F4-99DD-7F5660E62A03}" destId="{DFB99D2A-ECC6-45FF-A8DE-7A9053F5FC6D}" srcOrd="2" destOrd="0" parTransId="{552DDCC7-30DB-4A32-8C74-D7D26C273E0A}" sibTransId="{A55C2E93-1534-47D0-8094-8BADD2AA90A6}"/>
     <dgm:cxn modelId="{CDBE4FAF-2646-4DEC-A514-79E9F4BF9DC7}" type="presOf" srcId="{DFB99D2A-ECC6-45FF-A8DE-7A9053F5FC6D}" destId="{0A5CD429-6585-49C0-A1B1-681A83AD5A80}" srcOrd="1" destOrd="0" presId="urn:microsoft.com/office/officeart/2005/8/layout/vList4"/>
     <dgm:cxn modelId="{BC6A0FEE-74A6-4902-8973-EF78001B4556}" type="presOf" srcId="{DA84C7ED-682D-40F4-99DD-7F5660E62A03}" destId="{7FFC0B04-937C-40DD-A295-00DF343B95DB}" srcOrd="0" destOrd="0" presId="urn:microsoft.com/office/officeart/2005/8/layout/vList4"/>
     <dgm:cxn modelId="{3DA865D1-4843-4069-BE67-7BB685D9C887}" type="presOf" srcId="{DFB99D2A-ECC6-45FF-A8DE-7A9053F5FC6D}" destId="{71C137F5-755B-4767-B638-1DF036768AF9}" srcOrd="0" destOrd="0" presId="urn:microsoft.com/office/officeart/2005/8/layout/vList4"/>
@@ -18174,6 +18175,263 @@
 </p:sld>
 </file>
 
+<file path=ppt/slides/slide6.xml><?xml version="1.0" encoding="utf-8"?>
+<p:sld xmlns:a="http://schemas.openxmlformats.org/drawingml/2006/main" xmlns:r="http://schemas.openxmlformats.org/officeDocument/2006/relationships" xmlns:p="http://schemas.openxmlformats.org/presentationml/2006/main">
+  <p:cSld>
+    <p:spTree>
+      <p:nvGrpSpPr>
+        <p:cNvPr id="1" name=""/>
+        <p:cNvGrpSpPr/>
+        <p:nvPr/>
+      </p:nvGrpSpPr>
+      <p:grpSpPr>
+        <a:xfrm>
+          <a:off x="0" y="0"/>
+          <a:ext cx="0" cy="0"/>
+          <a:chOff x="0" y="0"/>
+          <a:chExt cx="0" cy="0"/>
+        </a:xfrm>
+      </p:grpSpPr>
+      <p:sp>
+        <p:nvSpPr>
+          <p:cNvPr id="2" name="内容占位符 1"/>
+          <p:cNvSpPr>
+            <a:spLocks noGrp="1"/>
+          </p:cNvSpPr>
+          <p:nvPr>
+            <p:ph idx="1"/>
+          </p:nvPr>
+        </p:nvSpPr>
+        <p:spPr>
+          <a:xfrm>
+            <a:off x="755576" y="2636912"/>
+            <a:ext cx="7732381" cy="3633853"/>
+          </a:xfrm>
+        </p:spPr>
+        <p:txBody>
+          <a:bodyPr>
+            <a:normAutofit/>
+          </a:bodyPr>
+          <a:lstStyle/>
+          <a:p>
+            <a:r>
+              <a:rPr lang="zh-CN" altLang="en-US" dirty="0" smtClean="0"/>
+              <a:t>使用方法：通过对配置文件的修改，实现对</a:t>
+            </a:r>
+            <a:r>
+              <a:rPr lang="en-US" altLang="zh-CN" dirty="0" smtClean="0"/>
+              <a:t>controller</a:t>
+            </a:r>
+            <a:r>
+              <a:rPr lang="zh-CN" altLang="en-US" dirty="0" smtClean="0"/>
+              <a:t>的依赖注入</a:t>
+            </a:r>
+            <a:endParaRPr lang="en-US" altLang="zh-CN" dirty="0" smtClean="0"/>
+          </a:p>
+          <a:p>
+            <a:r>
+              <a:rPr lang="zh-CN" altLang="en-US" dirty="0" smtClean="0"/>
+              <a:t>简单原理：重新</a:t>
+            </a:r>
+            <a:r>
+              <a:rPr lang="zh-CN" altLang="en-US" dirty="0"/>
+              <a:t>实现</a:t>
+            </a:r>
+            <a:r>
+              <a:rPr lang="zh-CN" altLang="en-US" dirty="0" smtClean="0"/>
+              <a:t>原</a:t>
+            </a:r>
+            <a:r>
+              <a:rPr lang="en-US" altLang="zh-CN" dirty="0" smtClean="0"/>
+              <a:t>MVC</a:t>
+            </a:r>
+            <a:r>
+              <a:rPr lang="zh-CN" altLang="en-US" dirty="0" smtClean="0"/>
+              <a:t>框架</a:t>
+            </a:r>
+            <a:r>
+              <a:rPr lang="en-US" altLang="zh-CN" dirty="0" err="1" smtClean="0"/>
+              <a:t>ControllerFactory</a:t>
+            </a:r>
+            <a:r>
+              <a:rPr lang="zh-CN" altLang="en-US" dirty="0" smtClean="0"/>
+              <a:t>对</a:t>
+            </a:r>
+            <a:r>
+              <a:rPr lang="en-US" altLang="zh-CN" dirty="0" smtClean="0"/>
+              <a:t>controller</a:t>
+            </a:r>
+            <a:r>
+              <a:rPr lang="zh-CN" altLang="en-US" dirty="0" smtClean="0"/>
+              <a:t>的调用，首先继承</a:t>
+            </a:r>
+            <a:r>
+              <a:rPr lang="en-US" altLang="zh-CN" dirty="0" err="1" smtClean="0"/>
+              <a:t>SpringMvcApplication</a:t>
+            </a:r>
+            <a:r>
+              <a:rPr lang="zh-CN" altLang="en-US" dirty="0" smtClean="0"/>
+              <a:t>，然后重新实现</a:t>
+            </a:r>
+            <a:r>
+              <a:rPr lang="en-US" altLang="zh-CN" dirty="0" smtClean="0"/>
+              <a:t>MVC</a:t>
+            </a:r>
+            <a:r>
+              <a:rPr lang="zh-CN" altLang="en-US" dirty="0" smtClean="0"/>
+              <a:t>的</a:t>
+            </a:r>
+            <a:r>
+              <a:rPr lang="en-US" altLang="zh-CN" dirty="0" err="1" smtClean="0"/>
+              <a:t>IControllerFactory</a:t>
+            </a:r>
+            <a:r>
+              <a:rPr lang="zh-CN" altLang="en-US" dirty="0" smtClean="0"/>
+              <a:t>，这样以后便可通过</a:t>
+            </a:r>
+            <a:r>
+              <a:rPr lang="en-US" altLang="zh-CN" dirty="0" err="1" smtClean="0"/>
+              <a:t>spring</a:t>
+            </a:r>
+            <a:r>
+              <a:rPr lang="en-US" altLang="zh-CN" dirty="0" err="1"/>
+              <a:t>.</a:t>
+            </a:r>
+            <a:r>
+              <a:rPr lang="en-US" altLang="zh-CN" dirty="0" err="1" smtClean="0"/>
+              <a:t>Net</a:t>
+            </a:r>
+            <a:r>
+              <a:rPr lang="zh-CN" altLang="en-US" dirty="0" smtClean="0"/>
+              <a:t>的</a:t>
+            </a:r>
+            <a:r>
+              <a:rPr lang="en-US" altLang="zh-CN" dirty="0" err="1" smtClean="0"/>
+              <a:t>ContextRegistry</a:t>
+            </a:r>
+            <a:r>
+              <a:rPr lang="zh-CN" altLang="en-US" dirty="0" smtClean="0"/>
+              <a:t>得到</a:t>
+            </a:r>
+            <a:r>
+              <a:rPr lang="en-US" altLang="zh-CN" dirty="0" err="1" smtClean="0"/>
+              <a:t>IApplicationContext</a:t>
+            </a:r>
+            <a:r>
+              <a:rPr lang="zh-CN" altLang="en-US" dirty="0" smtClean="0"/>
+              <a:t>，进而用</a:t>
+            </a:r>
+            <a:r>
+              <a:rPr lang="en-US" altLang="zh-CN" dirty="0" err="1"/>
+              <a:t>I</a:t>
+            </a:r>
+            <a:r>
+              <a:rPr lang="en-US" altLang="zh-CN" dirty="0" err="1" smtClean="0"/>
+              <a:t>objectFactory</a:t>
+            </a:r>
+            <a:r>
+              <a:rPr lang="zh-CN" altLang="en-US" dirty="0" smtClean="0"/>
+              <a:t>中的</a:t>
+            </a:r>
+            <a:r>
+              <a:rPr lang="en-US" altLang="zh-CN" dirty="0" err="1" smtClean="0"/>
+              <a:t>getobject</a:t>
+            </a:r>
+            <a:r>
+              <a:rPr lang="zh-CN" altLang="en-US" dirty="0" smtClean="0"/>
+              <a:t>返回配置文件中标明的</a:t>
+            </a:r>
+            <a:r>
+              <a:rPr lang="en-US" altLang="zh-CN" dirty="0" smtClean="0"/>
+              <a:t>controller</a:t>
+            </a:r>
+            <a:r>
+              <a:rPr lang="zh-CN" altLang="en-US" dirty="0" smtClean="0"/>
+              <a:t>（如果已定义），如果没有则用框架默认原来的</a:t>
+            </a:r>
+            <a:r>
+              <a:rPr lang="en-US" altLang="zh-CN" dirty="0" err="1" smtClean="0"/>
+              <a:t>controllerFactory</a:t>
+            </a:r>
+            <a:r>
+              <a:rPr lang="zh-CN" altLang="en-US" dirty="0" smtClean="0"/>
+              <a:t>返回相应</a:t>
+            </a:r>
+            <a:r>
+              <a:rPr lang="en-US" altLang="zh-CN" dirty="0" smtClean="0"/>
+              <a:t>controller</a:t>
+            </a:r>
+            <a:r>
+              <a:rPr lang="zh-CN" altLang="en-US" dirty="0"/>
+              <a:t>。</a:t>
+            </a:r>
+            <a:endParaRPr lang="en-US" altLang="zh-CN" dirty="0"/>
+          </a:p>
+          <a:p>
+            <a:endParaRPr lang="en-US" altLang="zh-CN" dirty="0"/>
+          </a:p>
+          <a:p>
+            <a:endParaRPr lang="en-US" altLang="zh-CN" dirty="0"/>
+          </a:p>
+          <a:p>
+            <a:endParaRPr lang="en-US" altLang="zh-CN" dirty="0"/>
+          </a:p>
+          <a:p>
+            <a:endParaRPr lang="zh-CN" altLang="en-US" dirty="0"/>
+          </a:p>
+        </p:txBody>
+      </p:sp>
+      <p:sp>
+        <p:nvSpPr>
+          <p:cNvPr id="3" name="标题 2"/>
+          <p:cNvSpPr>
+            <a:spLocks noGrp="1"/>
+          </p:cNvSpPr>
+          <p:nvPr>
+            <p:ph type="title"/>
+          </p:nvPr>
+        </p:nvSpPr>
+        <p:spPr/>
+        <p:txBody>
+          <a:bodyPr/>
+          <a:lstStyle/>
+          <a:p>
+            <a:r>
+              <a:rPr lang="en-US" altLang="zh-CN" dirty="0" err="1" smtClean="0"/>
+              <a:t>Spring.Net</a:t>
+            </a:r>
+            <a:r>
+              <a:rPr lang="en-US" altLang="zh-CN" dirty="0" smtClean="0"/>
+              <a:t> </a:t>
+            </a:r>
+            <a:r>
+              <a:rPr lang="zh-CN" altLang="en-US" dirty="0" smtClean="0"/>
+              <a:t>使用和基本原理</a:t>
+            </a:r>
+            <a:endParaRPr lang="zh-CN" altLang="en-US" dirty="0"/>
+          </a:p>
+        </p:txBody>
+      </p:sp>
+    </p:spTree>
+    <p:extLst>
+      <p:ext uri="{BB962C8B-B14F-4D97-AF65-F5344CB8AC3E}">
+        <p14:creationId xmlns:p14="http://schemas.microsoft.com/office/powerpoint/2010/main" val="4070908338"/>
+      </p:ext>
+    </p:extLst>
+  </p:cSld>
+  <p:clrMapOvr>
+    <a:masterClrMapping/>
+  </p:clrMapOvr>
+  <p:timing>
+    <p:tnLst>
+      <p:par>
+        <p:cTn id="1" dur="indefinite" restart="never" nodeType="tmRoot"/>
+      </p:par>
+    </p:tnLst>
+  </p:timing>
+</p:sld>
+</file>
+
 <file path=ppt/theme/theme1.xml><?xml version="1.0" encoding="utf-8"?>
 <a:theme xmlns:a="http://schemas.openxmlformats.org/drawingml/2006/main" name="波形">
   <a:themeElements>

--- a/presentation.pptx
+++ b/presentation.pptx
@@ -7,10 +7,10 @@
   <p:sldIdLst>
     <p:sldId id="256" r:id="rId2"/>
     <p:sldId id="257" r:id="rId3"/>
-    <p:sldId id="258" r:id="rId4"/>
-    <p:sldId id="259" r:id="rId5"/>
-    <p:sldId id="260" r:id="rId6"/>
-    <p:sldId id="261" r:id="rId7"/>
+    <p:sldId id="260" r:id="rId4"/>
+    <p:sldId id="261" r:id="rId5"/>
+    <p:sldId id="258" r:id="rId6"/>
+    <p:sldId id="259" r:id="rId7"/>
   </p:sldIdLst>
   <p:sldSz cx="9144000" cy="6858000" type="screen4x3"/>
   <p:notesSz cx="6858000" cy="9144000"/>
@@ -1121,8 +1121,8 @@
     <dgm:cxn modelId="{1E4C759B-DC61-47E6-9D6F-A91819C4A57F}" type="presOf" srcId="{B0C3C3E1-49B8-474E-A688-121CE931BB43}" destId="{9A2BCF34-20AE-4E63-97BA-D26C099C1815}" srcOrd="1" destOrd="0" presId="urn:microsoft.com/office/officeart/2005/8/layout/vList4"/>
     <dgm:cxn modelId="{09B60918-821D-4F2B-992C-A9BF35909DF1}" type="presOf" srcId="{B0C3C3E1-49B8-474E-A688-121CE931BB43}" destId="{8DEADAF8-25C5-4093-8643-8F85A6728238}" srcOrd="0" destOrd="0" presId="urn:microsoft.com/office/officeart/2005/8/layout/vList4"/>
     <dgm:cxn modelId="{6CA4D850-2BDA-4492-A7F9-0903DEA4DB9D}" srcId="{DA84C7ED-682D-40F4-99DD-7F5660E62A03}" destId="{B0C3C3E1-49B8-474E-A688-121CE931BB43}" srcOrd="0" destOrd="0" parTransId="{21BD3B19-17F3-4D4D-9FD8-EEE098CF4D31}" sibTransId="{CA555C1C-24EF-4DF2-BCFB-808C1A97ABD7}"/>
+    <dgm:cxn modelId="{EB971DB5-9E07-4C20-A69C-AFD74FED1759}" type="presOf" srcId="{BF0B1A9C-C638-4396-A958-FFED379875E5}" destId="{B6940FFA-42AA-476E-8CCD-0946CC43F913}" srcOrd="0" destOrd="0" presId="urn:microsoft.com/office/officeart/2005/8/layout/vList4"/>
     <dgm:cxn modelId="{0FFEE42B-86D2-4BCD-8F98-A73D884B77C8}" srcId="{DA84C7ED-682D-40F4-99DD-7F5660E62A03}" destId="{DFB99D2A-ECC6-45FF-A8DE-7A9053F5FC6D}" srcOrd="2" destOrd="0" parTransId="{552DDCC7-30DB-4A32-8C74-D7D26C273E0A}" sibTransId="{A55C2E93-1534-47D0-8094-8BADD2AA90A6}"/>
-    <dgm:cxn modelId="{EB971DB5-9E07-4C20-A69C-AFD74FED1759}" type="presOf" srcId="{BF0B1A9C-C638-4396-A958-FFED379875E5}" destId="{B6940FFA-42AA-476E-8CCD-0946CC43F913}" srcOrd="0" destOrd="0" presId="urn:microsoft.com/office/officeart/2005/8/layout/vList4"/>
     <dgm:cxn modelId="{CDBE4FAF-2646-4DEC-A514-79E9F4BF9DC7}" type="presOf" srcId="{DFB99D2A-ECC6-45FF-A8DE-7A9053F5FC6D}" destId="{0A5CD429-6585-49C0-A1B1-681A83AD5A80}" srcOrd="1" destOrd="0" presId="urn:microsoft.com/office/officeart/2005/8/layout/vList4"/>
     <dgm:cxn modelId="{BC6A0FEE-74A6-4902-8973-EF78001B4556}" type="presOf" srcId="{DA84C7ED-682D-40F4-99DD-7F5660E62A03}" destId="{7FFC0B04-937C-40DD-A295-00DF343B95DB}" srcOrd="0" destOrd="0" presId="urn:microsoft.com/office/officeart/2005/8/layout/vList4"/>
     <dgm:cxn modelId="{3DA865D1-4843-4069-BE67-7BB685D9C887}" type="presOf" srcId="{DFB99D2A-ECC6-45FF-A8DE-7A9053F5FC6D}" destId="{71C137F5-755B-4767-B638-1DF036768AF9}" srcOrd="0" destOrd="0" presId="urn:microsoft.com/office/officeart/2005/8/layout/vList4"/>
@@ -4768,6 +4768,18 @@
   <p:clrMapOvr>
     <a:masterClrMapping/>
   </p:clrMapOvr>
+  <mc:AlternateContent xmlns:mc="http://schemas.openxmlformats.org/markup-compatibility/2006">
+    <mc:Choice xmlns:p14="http://schemas.microsoft.com/office/powerpoint/2010/main" Requires="p14">
+      <p:transition spd="med" p14:dur="700">
+        <p:fade/>
+      </p:transition>
+    </mc:Choice>
+    <mc:Fallback>
+      <p:transition spd="med">
+        <p:fade/>
+      </p:transition>
+    </mc:Fallback>
+  </mc:AlternateContent>
 </p:sldLayout>
 </file>
 
@@ -4949,6 +4961,18 @@
   <p:clrMapOvr>
     <a:masterClrMapping/>
   </p:clrMapOvr>
+  <mc:AlternateContent xmlns:mc="http://schemas.openxmlformats.org/markup-compatibility/2006">
+    <mc:Choice xmlns:p14="http://schemas.microsoft.com/office/powerpoint/2010/main" Requires="p14">
+      <p:transition spd="med" p14:dur="700">
+        <p:fade/>
+      </p:transition>
+    </mc:Choice>
+    <mc:Fallback>
+      <p:transition spd="med">
+        <p:fade/>
+      </p:transition>
+    </mc:Fallback>
+  </mc:AlternateContent>
 </p:sldLayout>
 </file>
 
@@ -6784,6 +6808,18 @@
   <p:clrMapOvr>
     <a:masterClrMapping/>
   </p:clrMapOvr>
+  <mc:AlternateContent xmlns:mc="http://schemas.openxmlformats.org/markup-compatibility/2006">
+    <mc:Choice xmlns:p14="http://schemas.microsoft.com/office/powerpoint/2010/main" Requires="p14">
+      <p:transition spd="med" p14:dur="700">
+        <p:fade/>
+      </p:transition>
+    </mc:Choice>
+    <mc:Fallback>
+      <p:transition spd="med">
+        <p:fade/>
+      </p:transition>
+    </mc:Fallback>
+  </mc:AlternateContent>
 </p:sldLayout>
 </file>
 
@@ -6949,6 +6985,18 @@
   <p:clrMapOvr>
     <a:masterClrMapping/>
   </p:clrMapOvr>
+  <mc:AlternateContent xmlns:mc="http://schemas.openxmlformats.org/markup-compatibility/2006">
+    <mc:Choice xmlns:p14="http://schemas.microsoft.com/office/powerpoint/2010/main" Requires="p14">
+      <p:transition spd="med" p14:dur="700">
+        <p:fade/>
+      </p:transition>
+    </mc:Choice>
+    <mc:Fallback>
+      <p:transition spd="med">
+        <p:fade/>
+      </p:transition>
+    </mc:Fallback>
+  </mc:AlternateContent>
 </p:sldLayout>
 </file>
 
@@ -8796,6 +8844,18 @@
   <p:clrMapOvr>
     <a:masterClrMapping/>
   </p:clrMapOvr>
+  <mc:AlternateContent xmlns:mc="http://schemas.openxmlformats.org/markup-compatibility/2006">
+    <mc:Choice xmlns:p14="http://schemas.microsoft.com/office/powerpoint/2010/main" Requires="p14">
+      <p:transition spd="med" p14:dur="700">
+        <p:fade/>
+      </p:transition>
+    </mc:Choice>
+    <mc:Fallback>
+      <p:transition spd="med">
+        <p:fade/>
+      </p:transition>
+    </mc:Fallback>
+  </mc:AlternateContent>
 </p:sldLayout>
 </file>
 
@@ -9023,6 +9083,18 @@
   <p:clrMapOvr>
     <a:masterClrMapping/>
   </p:clrMapOvr>
+  <mc:AlternateContent xmlns:mc="http://schemas.openxmlformats.org/markup-compatibility/2006">
+    <mc:Choice xmlns:p14="http://schemas.microsoft.com/office/powerpoint/2010/main" Requires="p14">
+      <p:transition spd="med" p14:dur="700">
+        <p:fade/>
+      </p:transition>
+    </mc:Choice>
+    <mc:Fallback>
+      <p:transition spd="med">
+        <p:fade/>
+      </p:transition>
+    </mc:Fallback>
+  </mc:AlternateContent>
 </p:sldLayout>
 </file>
 
@@ -9450,6 +9522,18 @@
   <p:clrMapOvr>
     <a:masterClrMapping/>
   </p:clrMapOvr>
+  <mc:AlternateContent xmlns:mc="http://schemas.openxmlformats.org/markup-compatibility/2006">
+    <mc:Choice xmlns:p14="http://schemas.microsoft.com/office/powerpoint/2010/main" Requires="p14">
+      <p:transition spd="med" p14:dur="700">
+        <p:fade/>
+      </p:transition>
+    </mc:Choice>
+    <mc:Fallback>
+      <p:transition spd="med">
+        <p:fade/>
+      </p:transition>
+    </mc:Fallback>
+  </mc:AlternateContent>
 </p:sldLayout>
 </file>
 
@@ -9563,6 +9647,18 @@
   <p:clrMapOvr>
     <a:masterClrMapping/>
   </p:clrMapOvr>
+  <mc:AlternateContent xmlns:mc="http://schemas.openxmlformats.org/markup-compatibility/2006">
+    <mc:Choice xmlns:p14="http://schemas.microsoft.com/office/powerpoint/2010/main" Requires="p14">
+      <p:transition spd="med" p14:dur="700">
+        <p:fade/>
+      </p:transition>
+    </mc:Choice>
+    <mc:Fallback>
+      <p:transition spd="med">
+        <p:fade/>
+      </p:transition>
+    </mc:Fallback>
+  </mc:AlternateContent>
 </p:sldLayout>
 </file>
 
@@ -11274,6 +11370,18 @@
   <p:clrMapOvr>
     <a:masterClrMapping/>
   </p:clrMapOvr>
+  <mc:AlternateContent xmlns:mc="http://schemas.openxmlformats.org/markup-compatibility/2006">
+    <mc:Choice xmlns:p14="http://schemas.microsoft.com/office/powerpoint/2010/main" Requires="p14">
+      <p:transition spd="med" p14:dur="700">
+        <p:fade/>
+      </p:transition>
+    </mc:Choice>
+    <mc:Fallback>
+      <p:transition spd="med">
+        <p:fade/>
+      </p:transition>
+    </mc:Fallback>
+  </mc:AlternateContent>
 </p:sldLayout>
 </file>
 
@@ -13220,6 +13328,18 @@
   <p:clrMapOvr>
     <a:masterClrMapping/>
   </p:clrMapOvr>
+  <mc:AlternateContent xmlns:mc="http://schemas.openxmlformats.org/markup-compatibility/2006">
+    <mc:Choice xmlns:p14="http://schemas.microsoft.com/office/powerpoint/2010/main" Requires="p14">
+      <p:transition spd="med" p14:dur="700">
+        <p:fade/>
+      </p:transition>
+    </mc:Choice>
+    <mc:Fallback>
+      <p:transition spd="med">
+        <p:fade/>
+      </p:transition>
+    </mc:Fallback>
+  </mc:AlternateContent>
 </p:sldLayout>
 </file>
 
@@ -15134,6 +15254,18 @@
   <p:clrMapOvr>
     <a:masterClrMapping/>
   </p:clrMapOvr>
+  <mc:AlternateContent xmlns:mc="http://schemas.openxmlformats.org/markup-compatibility/2006">
+    <mc:Choice xmlns:p14="http://schemas.microsoft.com/office/powerpoint/2010/main" Requires="p14">
+      <p:transition spd="med" p14:dur="700">
+        <p:fade/>
+      </p:transition>
+    </mc:Choice>
+    <mc:Fallback>
+      <p:transition spd="med">
+        <p:fade/>
+      </p:transition>
+    </mc:Fallback>
+  </mc:AlternateContent>
 </p:sldLayout>
 </file>
 
@@ -17004,6 +17136,18 @@
     <p:sldLayoutId id="2147483670" r:id="rId10"/>
     <p:sldLayoutId id="2147483671" r:id="rId11"/>
   </p:sldLayoutIdLst>
+  <mc:AlternateContent xmlns:mc="http://schemas.openxmlformats.org/markup-compatibility/2006">
+    <mc:Choice xmlns:p14="http://schemas.microsoft.com/office/powerpoint/2010/main" Requires="p14">
+      <p:transition spd="med" p14:dur="700">
+        <p:fade/>
+      </p:transition>
+    </mc:Choice>
+    <mc:Fallback>
+      <p:transition spd="med">
+        <p:fade/>
+      </p:transition>
+    </mc:Fallback>
+  </mc:AlternateContent>
   <p:txStyles>
     <p:titleStyle>
       <a:lvl1pPr algn="ctr" defTabSz="914400" rtl="0" eaLnBrk="1" latinLnBrk="0" hangingPunct="1">
@@ -17418,6 +17562,18 @@
   <p:clrMapOvr>
     <a:masterClrMapping/>
   </p:clrMapOvr>
+  <mc:AlternateContent xmlns:mc="http://schemas.openxmlformats.org/markup-compatibility/2006">
+    <mc:Choice xmlns:p14="http://schemas.microsoft.com/office/powerpoint/2010/main" Requires="p14">
+      <p:transition spd="med" p14:dur="700">
+        <p:fade/>
+      </p:transition>
+    </mc:Choice>
+    <mc:Fallback>
+      <p:transition spd="med">
+        <p:fade/>
+      </p:transition>
+    </mc:Fallback>
+  </mc:AlternateContent>
   <p:timing>
     <p:tnLst>
       <p:par>
@@ -17503,6 +17659,18 @@
   <p:clrMapOvr>
     <a:masterClrMapping/>
   </p:clrMapOvr>
+  <mc:AlternateContent xmlns:mc="http://schemas.openxmlformats.org/markup-compatibility/2006">
+    <mc:Choice xmlns:p14="http://schemas.microsoft.com/office/powerpoint/2010/main" Requires="p14">
+      <p:transition spd="med" p14:dur="700">
+        <p:fade/>
+      </p:transition>
+    </mc:Choice>
+    <mc:Fallback>
+      <p:transition spd="med">
+        <p:fade/>
+      </p:transition>
+    </mc:Fallback>
+  </mc:AlternateContent>
   <p:timing>
     <p:tnLst>
       <p:par>
@@ -17514,434 +17682,6 @@
 </file>
 
 <file path=ppt/slides/slide3.xml><?xml version="1.0" encoding="utf-8"?>
-<p:sld xmlns:a="http://schemas.openxmlformats.org/drawingml/2006/main" xmlns:r="http://schemas.openxmlformats.org/officeDocument/2006/relationships" xmlns:p="http://schemas.openxmlformats.org/presentationml/2006/main">
-  <p:cSld>
-    <p:spTree>
-      <p:nvGrpSpPr>
-        <p:cNvPr id="1" name=""/>
-        <p:cNvGrpSpPr/>
-        <p:nvPr/>
-      </p:nvGrpSpPr>
-      <p:grpSpPr>
-        <a:xfrm>
-          <a:off x="0" y="0"/>
-          <a:ext cx="0" cy="0"/>
-          <a:chOff x="0" y="0"/>
-          <a:chExt cx="0" cy="0"/>
-        </a:xfrm>
-      </p:grpSpPr>
-      <p:sp>
-        <p:nvSpPr>
-          <p:cNvPr id="2" name="内容占位符 1"/>
-          <p:cNvSpPr>
-            <a:spLocks noGrp="1"/>
-          </p:cNvSpPr>
-          <p:nvPr>
-            <p:ph idx="1"/>
-          </p:nvPr>
-        </p:nvSpPr>
-        <p:spPr>
-          <a:xfrm>
-            <a:off x="395536" y="1916832"/>
-            <a:ext cx="2979853" cy="1041565"/>
-          </a:xfrm>
-        </p:spPr>
-        <p:txBody>
-          <a:bodyPr/>
-          <a:lstStyle/>
-          <a:p>
-            <a:r>
-              <a:rPr lang="en-US" altLang="zh-CN" dirty="0" smtClean="0"/>
-              <a:t>Google </a:t>
-            </a:r>
-            <a:r>
-              <a:rPr lang="zh-CN" altLang="en-US" dirty="0" smtClean="0"/>
-              <a:t>翻译系统</a:t>
-            </a:r>
-            <a:endParaRPr lang="en-US" altLang="zh-CN" dirty="0" smtClean="0"/>
-          </a:p>
-          <a:p>
-            <a:r>
-              <a:rPr lang="en-US" altLang="zh-CN" dirty="0" smtClean="0"/>
-              <a:t>Bing </a:t>
-            </a:r>
-            <a:r>
-              <a:rPr lang="zh-CN" altLang="en-US" dirty="0" smtClean="0"/>
-              <a:t>翻译系统</a:t>
-            </a:r>
-            <a:endParaRPr lang="en-US" altLang="zh-CN" dirty="0" smtClean="0"/>
-          </a:p>
-        </p:txBody>
-      </p:sp>
-      <p:sp>
-        <p:nvSpPr>
-          <p:cNvPr id="3" name="标题 2"/>
-          <p:cNvSpPr>
-            <a:spLocks noGrp="1"/>
-          </p:cNvSpPr>
-          <p:nvPr>
-            <p:ph type="title"/>
-          </p:nvPr>
-        </p:nvSpPr>
-        <p:spPr/>
-        <p:txBody>
-          <a:bodyPr/>
-          <a:lstStyle/>
-          <a:p>
-            <a:r>
-              <a:rPr lang="zh-CN" altLang="en-US" dirty="0" smtClean="0"/>
-              <a:t>外部系统：整句翻译系统</a:t>
-            </a:r>
-            <a:endParaRPr lang="zh-CN" altLang="en-US" dirty="0"/>
-          </a:p>
-        </p:txBody>
-      </p:sp>
-      <p:pic>
-        <p:nvPicPr>
-          <p:cNvPr id="1026" name="Picture 2"/>
-          <p:cNvPicPr>
-            <a:picLocks noChangeAspect="1" noChangeArrowheads="1"/>
-          </p:cNvPicPr>
-          <p:nvPr/>
-        </p:nvPicPr>
-        <p:blipFill>
-          <a:blip r:embed="rId2">
-            <a:extLst>
-              <a:ext uri="{28A0092B-C50C-407E-A947-70E740481C1C}">
-                <a14:useLocalDpi xmlns:a14="http://schemas.microsoft.com/office/drawing/2010/main" val="0"/>
-              </a:ext>
-            </a:extLst>
-          </a:blip>
-          <a:srcRect/>
-          <a:stretch>
-            <a:fillRect/>
-          </a:stretch>
-        </p:blipFill>
-        <p:spPr bwMode="auto">
-          <a:xfrm>
-            <a:off x="3491880" y="2636912"/>
-            <a:ext cx="5260075" cy="3304406"/>
-          </a:xfrm>
-          <a:prstGeom prst="rect">
-            <a:avLst/>
-          </a:prstGeom>
-          <a:noFill/>
-          <a:ln>
-            <a:noFill/>
-          </a:ln>
-          <a:effectLst/>
-          <a:extLst>
-            <a:ext uri="{909E8E84-426E-40DD-AFC4-6F175D3DCCD1}">
-              <a14:hiddenFill xmlns:a14="http://schemas.microsoft.com/office/drawing/2010/main">
-                <a:solidFill>
-                  <a:schemeClr val="accent1"/>
-                </a:solidFill>
-              </a14:hiddenFill>
-            </a:ext>
-            <a:ext uri="{91240B29-F687-4F45-9708-019B960494DF}">
-              <a14:hiddenLine xmlns:a14="http://schemas.microsoft.com/office/drawing/2010/main" w="9525">
-                <a:solidFill>
-                  <a:schemeClr val="tx1"/>
-                </a:solidFill>
-                <a:miter lim="800000"/>
-                <a:headEnd/>
-                <a:tailEnd/>
-              </a14:hiddenLine>
-            </a:ext>
-            <a:ext uri="{AF507438-7753-43E0-B8FC-AC1667EBCBE1}">
-              <a14:hiddenEffects xmlns:a14="http://schemas.microsoft.com/office/drawing/2010/main">
-                <a:effectLst>
-                  <a:outerShdw dist="35921" dir="2700000" algn="ctr" rotWithShape="0">
-                    <a:schemeClr val="bg2"/>
-                  </a:outerShdw>
-                </a:effectLst>
-              </a14:hiddenEffects>
-            </a:ext>
-          </a:extLst>
-        </p:spPr>
-      </p:pic>
-      <p:sp>
-        <p:nvSpPr>
-          <p:cNvPr id="5" name="TextBox 4"/>
-          <p:cNvSpPr txBox="1"/>
-          <p:nvPr/>
-        </p:nvSpPr>
-        <p:spPr>
-          <a:xfrm>
-            <a:off x="2555776" y="5013176"/>
-            <a:ext cx="3096344" cy="646331"/>
-          </a:xfrm>
-          <a:prstGeom prst="rect">
-            <a:avLst/>
-          </a:prstGeom>
-        </p:spPr>
-        <p:style>
-          <a:lnRef idx="3">
-            <a:schemeClr val="lt1"/>
-          </a:lnRef>
-          <a:fillRef idx="1">
-            <a:schemeClr val="accent1"/>
-          </a:fillRef>
-          <a:effectRef idx="1">
-            <a:schemeClr val="accent1"/>
-          </a:effectRef>
-          <a:fontRef idx="minor">
-            <a:schemeClr val="lt1"/>
-          </a:fontRef>
-        </p:style>
-        <p:txBody>
-          <a:bodyPr wrap="square" rtlCol="0">
-            <a:spAutoFit/>
-          </a:bodyPr>
-          <a:lstStyle/>
-          <a:p>
-            <a:r>
-              <a:rPr lang="zh-CN" altLang="en-US" dirty="0" smtClean="0"/>
-              <a:t>获取</a:t>
-            </a:r>
-            <a:r>
-              <a:rPr lang="en-US" altLang="zh-CN" dirty="0" err="1" smtClean="0"/>
-              <a:t>google</a:t>
-            </a:r>
-            <a:r>
-              <a:rPr lang="zh-CN" altLang="en-US" dirty="0" smtClean="0"/>
-              <a:t>与</a:t>
-            </a:r>
-            <a:r>
-              <a:rPr lang="en-US" altLang="zh-CN" dirty="0" err="1" smtClean="0"/>
-              <a:t>bing</a:t>
-            </a:r>
-            <a:r>
-              <a:rPr lang="en-US" altLang="zh-CN" dirty="0" smtClean="0"/>
-              <a:t> </a:t>
-            </a:r>
-            <a:r>
-              <a:rPr lang="zh-CN" altLang="en-US" dirty="0" smtClean="0"/>
-              <a:t>的翻译结果，返回给用户</a:t>
-            </a:r>
-            <a:endParaRPr lang="zh-CN" altLang="en-US" dirty="0"/>
-          </a:p>
-        </p:txBody>
-      </p:sp>
-    </p:spTree>
-    <p:extLst>
-      <p:ext uri="{BB962C8B-B14F-4D97-AF65-F5344CB8AC3E}">
-        <p14:creationId xmlns:p14="http://schemas.microsoft.com/office/powerpoint/2010/main" val="2344028158"/>
-      </p:ext>
-    </p:extLst>
-  </p:cSld>
-  <p:clrMapOvr>
-    <a:masterClrMapping/>
-  </p:clrMapOvr>
-  <p:timing>
-    <p:tnLst>
-      <p:par>
-        <p:cTn id="1" dur="indefinite" restart="never" nodeType="tmRoot"/>
-      </p:par>
-    </p:tnLst>
-  </p:timing>
-</p:sld>
-</file>
-
-<file path=ppt/slides/slide4.xml><?xml version="1.0" encoding="utf-8"?>
-<p:sld xmlns:a="http://schemas.openxmlformats.org/drawingml/2006/main" xmlns:r="http://schemas.openxmlformats.org/officeDocument/2006/relationships" xmlns:p="http://schemas.openxmlformats.org/presentationml/2006/main">
-  <p:cSld>
-    <p:spTree>
-      <p:nvGrpSpPr>
-        <p:cNvPr id="1" name=""/>
-        <p:cNvGrpSpPr/>
-        <p:nvPr/>
-      </p:nvGrpSpPr>
-      <p:grpSpPr>
-        <a:xfrm>
-          <a:off x="0" y="0"/>
-          <a:ext cx="0" cy="0"/>
-          <a:chOff x="0" y="0"/>
-          <a:chExt cx="0" cy="0"/>
-        </a:xfrm>
-      </p:grpSpPr>
-      <p:sp>
-        <p:nvSpPr>
-          <p:cNvPr id="2" name="内容占位符 1"/>
-          <p:cNvSpPr>
-            <a:spLocks noGrp="1"/>
-          </p:cNvSpPr>
-          <p:nvPr>
-            <p:ph idx="1"/>
-          </p:nvPr>
-        </p:nvSpPr>
-        <p:spPr>
-          <a:xfrm>
-            <a:off x="872067" y="2675467"/>
-            <a:ext cx="2403789" cy="969557"/>
-          </a:xfrm>
-        </p:spPr>
-        <p:txBody>
-          <a:bodyPr/>
-          <a:lstStyle/>
-          <a:p>
-            <a:r>
-              <a:rPr lang="zh-CN" altLang="en-US" dirty="0" smtClean="0"/>
-              <a:t>登陆系统</a:t>
-            </a:r>
-            <a:endParaRPr lang="zh-CN" altLang="en-US" dirty="0"/>
-          </a:p>
-        </p:txBody>
-      </p:sp>
-      <p:sp>
-        <p:nvSpPr>
-          <p:cNvPr id="3" name="标题 2"/>
-          <p:cNvSpPr>
-            <a:spLocks noGrp="1"/>
-          </p:cNvSpPr>
-          <p:nvPr>
-            <p:ph type="title"/>
-          </p:nvPr>
-        </p:nvSpPr>
-        <p:spPr/>
-        <p:txBody>
-          <a:bodyPr/>
-          <a:lstStyle/>
-          <a:p>
-            <a:r>
-              <a:rPr lang="zh-CN" altLang="en-US" dirty="0" smtClean="0"/>
-              <a:t>外部系统：</a:t>
-            </a:r>
-            <a:r>
-              <a:rPr lang="en-US" altLang="zh-CN" dirty="0" err="1" smtClean="0"/>
-              <a:t>jaccount</a:t>
-            </a:r>
-            <a:r>
-              <a:rPr lang="zh-CN" altLang="en-US" dirty="0" smtClean="0"/>
-              <a:t>登陆系统</a:t>
-            </a:r>
-            <a:endParaRPr lang="zh-CN" altLang="en-US" dirty="0"/>
-          </a:p>
-        </p:txBody>
-      </p:sp>
-      <p:sp>
-        <p:nvSpPr>
-          <p:cNvPr id="4" name="TextBox 3"/>
-          <p:cNvSpPr txBox="1"/>
-          <p:nvPr/>
-        </p:nvSpPr>
-        <p:spPr>
-          <a:xfrm>
-            <a:off x="2915816" y="4797151"/>
-            <a:ext cx="3528392" cy="369332"/>
-          </a:xfrm>
-          <a:prstGeom prst="rect">
-            <a:avLst/>
-          </a:prstGeom>
-          <a:noFill/>
-        </p:spPr>
-        <p:txBody>
-          <a:bodyPr wrap="square" rtlCol="0">
-            <a:spAutoFit/>
-          </a:bodyPr>
-          <a:lstStyle/>
-          <a:p>
-            <a:r>
-              <a:rPr lang="zh-CN" altLang="en-US" dirty="0" smtClean="0"/>
-              <a:t>服务器获取</a:t>
-            </a:r>
-            <a:r>
-              <a:rPr lang="en-US" altLang="zh-CN" dirty="0" smtClean="0"/>
-              <a:t>ticket</a:t>
-            </a:r>
-            <a:r>
-              <a:rPr lang="zh-CN" altLang="en-US" dirty="0" smtClean="0"/>
-              <a:t>并进行验证</a:t>
-            </a:r>
-            <a:endParaRPr lang="zh-CN" altLang="en-US" dirty="0"/>
-          </a:p>
-        </p:txBody>
-      </p:sp>
-      <p:pic>
-        <p:nvPicPr>
-          <p:cNvPr id="2052" name="Picture 4"/>
-          <p:cNvPicPr>
-            <a:picLocks noChangeAspect="1" noChangeArrowheads="1"/>
-          </p:cNvPicPr>
-          <p:nvPr/>
-        </p:nvPicPr>
-        <p:blipFill>
-          <a:blip r:embed="rId2">
-            <a:extLst>
-              <a:ext uri="{28A0092B-C50C-407E-A947-70E740481C1C}">
-                <a14:useLocalDpi xmlns:a14="http://schemas.microsoft.com/office/drawing/2010/main" val="0"/>
-              </a:ext>
-            </a:extLst>
-          </a:blip>
-          <a:srcRect/>
-          <a:stretch>
-            <a:fillRect/>
-          </a:stretch>
-        </p:blipFill>
-        <p:spPr bwMode="auto">
-          <a:xfrm>
-            <a:off x="3059832" y="2728913"/>
-            <a:ext cx="5600700" cy="1400175"/>
-          </a:xfrm>
-          <a:prstGeom prst="rect">
-            <a:avLst/>
-          </a:prstGeom>
-          <a:noFill/>
-          <a:ln>
-            <a:noFill/>
-          </a:ln>
-          <a:effectLst/>
-          <a:extLst>
-            <a:ext uri="{909E8E84-426E-40DD-AFC4-6F175D3DCCD1}">
-              <a14:hiddenFill xmlns:a14="http://schemas.microsoft.com/office/drawing/2010/main">
-                <a:solidFill>
-                  <a:schemeClr val="accent1"/>
-                </a:solidFill>
-              </a14:hiddenFill>
-            </a:ext>
-            <a:ext uri="{91240B29-F687-4F45-9708-019B960494DF}">
-              <a14:hiddenLine xmlns:a14="http://schemas.microsoft.com/office/drawing/2010/main" w="9525">
-                <a:solidFill>
-                  <a:schemeClr val="tx1"/>
-                </a:solidFill>
-                <a:miter lim="800000"/>
-                <a:headEnd/>
-                <a:tailEnd/>
-              </a14:hiddenLine>
-            </a:ext>
-            <a:ext uri="{AF507438-7753-43E0-B8FC-AC1667EBCBE1}">
-              <a14:hiddenEffects xmlns:a14="http://schemas.microsoft.com/office/drawing/2010/main">
-                <a:effectLst>
-                  <a:outerShdw dist="35921" dir="2700000" algn="ctr" rotWithShape="0">
-                    <a:schemeClr val="bg2"/>
-                  </a:outerShdw>
-                </a:effectLst>
-              </a14:hiddenEffects>
-            </a:ext>
-          </a:extLst>
-        </p:spPr>
-      </p:pic>
-    </p:spTree>
-    <p:extLst>
-      <p:ext uri="{BB962C8B-B14F-4D97-AF65-F5344CB8AC3E}">
-        <p14:creationId xmlns:p14="http://schemas.microsoft.com/office/powerpoint/2010/main" val="843191546"/>
-      </p:ext>
-    </p:extLst>
-  </p:cSld>
-  <p:clrMapOvr>
-    <a:masterClrMapping/>
-  </p:clrMapOvr>
-  <p:timing>
-    <p:tnLst>
-      <p:par>
-        <p:cTn id="1" dur="indefinite" restart="never" nodeType="tmRoot"/>
-      </p:par>
-    </p:tnLst>
-  </p:timing>
-</p:sld>
-</file>
-
-<file path=ppt/slides/slide5.xml><?xml version="1.0" encoding="utf-8"?>
 <p:sld xmlns:a="http://schemas.openxmlformats.org/drawingml/2006/main" xmlns:r="http://schemas.openxmlformats.org/officeDocument/2006/relationships" xmlns:p="http://schemas.openxmlformats.org/presentationml/2006/main">
   <p:cSld>
     <p:spTree>
@@ -18165,6 +17905,18 @@
   <p:clrMapOvr>
     <a:masterClrMapping/>
   </p:clrMapOvr>
+  <mc:AlternateContent xmlns:mc="http://schemas.openxmlformats.org/markup-compatibility/2006">
+    <mc:Choice xmlns:p14="http://schemas.microsoft.com/office/powerpoint/2010/main" Requires="p14">
+      <p:transition spd="med" p14:dur="700">
+        <p:fade/>
+      </p:transition>
+    </mc:Choice>
+    <mc:Fallback>
+      <p:transition spd="med">
+        <p:fade/>
+      </p:transition>
+    </mc:Fallback>
+  </mc:AlternateContent>
   <p:timing>
     <p:tnLst>
       <p:par>
@@ -18175,7 +17927,7 @@
 </p:sld>
 </file>
 
-<file path=ppt/slides/slide6.xml><?xml version="1.0" encoding="utf-8"?>
+<file path=ppt/slides/slide4.xml><?xml version="1.0" encoding="utf-8"?>
 <p:sld xmlns:a="http://schemas.openxmlformats.org/drawingml/2006/main" xmlns:r="http://schemas.openxmlformats.org/officeDocument/2006/relationships" xmlns:p="http://schemas.openxmlformats.org/presentationml/2006/main">
   <p:cSld>
     <p:spTree>
@@ -18216,7 +17968,27 @@
           <a:p>
             <a:r>
               <a:rPr lang="zh-CN" altLang="en-US" dirty="0" smtClean="0"/>
-              <a:t>使用方法：通过对配置文件的修改，实现对</a:t>
+              <a:t>使用方法</a:t>
+            </a:r>
+            <a:r>
+              <a:rPr lang="zh-CN" altLang="en-US" dirty="0" smtClean="0"/>
+              <a:t>：重新实现</a:t>
+            </a:r>
+            <a:r>
+              <a:rPr lang="en-US" altLang="zh-CN" dirty="0" err="1" smtClean="0"/>
+              <a:t>controllerfactory</a:t>
+            </a:r>
+            <a:r>
+              <a:rPr lang="en-US" altLang="zh-CN" dirty="0" smtClean="0"/>
+              <a:t>,</a:t>
+            </a:r>
+            <a:r>
+              <a:rPr lang="zh-CN" altLang="en-US" dirty="0" smtClean="0"/>
+              <a:t>并通过</a:t>
+            </a:r>
+            <a:r>
+              <a:rPr lang="zh-CN" altLang="en-US" dirty="0" smtClean="0"/>
+              <a:t>对配置文件的修改，实现对</a:t>
             </a:r>
             <a:r>
               <a:rPr lang="en-US" altLang="zh-CN" dirty="0" smtClean="0"/>
@@ -18422,6 +18194,470 @@
   <p:clrMapOvr>
     <a:masterClrMapping/>
   </p:clrMapOvr>
+  <mc:AlternateContent xmlns:mc="http://schemas.openxmlformats.org/markup-compatibility/2006">
+    <mc:Choice xmlns:p14="http://schemas.microsoft.com/office/powerpoint/2010/main" Requires="p14">
+      <p:transition spd="med" p14:dur="700">
+        <p:fade/>
+      </p:transition>
+    </mc:Choice>
+    <mc:Fallback>
+      <p:transition spd="med">
+        <p:fade/>
+      </p:transition>
+    </mc:Fallback>
+  </mc:AlternateContent>
+  <p:timing>
+    <p:tnLst>
+      <p:par>
+        <p:cTn id="1" dur="indefinite" restart="never" nodeType="tmRoot"/>
+      </p:par>
+    </p:tnLst>
+  </p:timing>
+</p:sld>
+</file>
+
+<file path=ppt/slides/slide5.xml><?xml version="1.0" encoding="utf-8"?>
+<p:sld xmlns:a="http://schemas.openxmlformats.org/drawingml/2006/main" xmlns:r="http://schemas.openxmlformats.org/officeDocument/2006/relationships" xmlns:p="http://schemas.openxmlformats.org/presentationml/2006/main">
+  <p:cSld>
+    <p:spTree>
+      <p:nvGrpSpPr>
+        <p:cNvPr id="1" name=""/>
+        <p:cNvGrpSpPr/>
+        <p:nvPr/>
+      </p:nvGrpSpPr>
+      <p:grpSpPr>
+        <a:xfrm>
+          <a:off x="0" y="0"/>
+          <a:ext cx="0" cy="0"/>
+          <a:chOff x="0" y="0"/>
+          <a:chExt cx="0" cy="0"/>
+        </a:xfrm>
+      </p:grpSpPr>
+      <p:sp>
+        <p:nvSpPr>
+          <p:cNvPr id="2" name="内容占位符 1"/>
+          <p:cNvSpPr>
+            <a:spLocks noGrp="1"/>
+          </p:cNvSpPr>
+          <p:nvPr>
+            <p:ph idx="1"/>
+          </p:nvPr>
+        </p:nvSpPr>
+        <p:spPr>
+          <a:xfrm>
+            <a:off x="395536" y="1916832"/>
+            <a:ext cx="2979853" cy="1041565"/>
+          </a:xfrm>
+        </p:spPr>
+        <p:txBody>
+          <a:bodyPr/>
+          <a:lstStyle/>
+          <a:p>
+            <a:r>
+              <a:rPr lang="en-US" altLang="zh-CN" dirty="0" smtClean="0"/>
+              <a:t>Google </a:t>
+            </a:r>
+            <a:r>
+              <a:rPr lang="zh-CN" altLang="en-US" dirty="0" smtClean="0"/>
+              <a:t>翻译系统</a:t>
+            </a:r>
+            <a:endParaRPr lang="en-US" altLang="zh-CN" dirty="0" smtClean="0"/>
+          </a:p>
+          <a:p>
+            <a:r>
+              <a:rPr lang="en-US" altLang="zh-CN" dirty="0" smtClean="0"/>
+              <a:t>Bing </a:t>
+            </a:r>
+            <a:r>
+              <a:rPr lang="zh-CN" altLang="en-US" dirty="0" smtClean="0"/>
+              <a:t>翻译系统</a:t>
+            </a:r>
+            <a:endParaRPr lang="en-US" altLang="zh-CN" dirty="0" smtClean="0"/>
+          </a:p>
+        </p:txBody>
+      </p:sp>
+      <p:sp>
+        <p:nvSpPr>
+          <p:cNvPr id="3" name="标题 2"/>
+          <p:cNvSpPr>
+            <a:spLocks noGrp="1"/>
+          </p:cNvSpPr>
+          <p:nvPr>
+            <p:ph type="title"/>
+          </p:nvPr>
+        </p:nvSpPr>
+        <p:spPr/>
+        <p:txBody>
+          <a:bodyPr/>
+          <a:lstStyle/>
+          <a:p>
+            <a:r>
+              <a:rPr lang="zh-CN" altLang="en-US" dirty="0" smtClean="0"/>
+              <a:t>外部系统：整句翻译系统</a:t>
+            </a:r>
+            <a:endParaRPr lang="zh-CN" altLang="en-US" dirty="0"/>
+          </a:p>
+        </p:txBody>
+      </p:sp>
+      <p:pic>
+        <p:nvPicPr>
+          <p:cNvPr id="1026" name="Picture 2"/>
+          <p:cNvPicPr>
+            <a:picLocks noChangeAspect="1" noChangeArrowheads="1"/>
+          </p:cNvPicPr>
+          <p:nvPr/>
+        </p:nvPicPr>
+        <p:blipFill>
+          <a:blip r:embed="rId2">
+            <a:extLst>
+              <a:ext uri="{28A0092B-C50C-407E-A947-70E740481C1C}">
+                <a14:useLocalDpi xmlns:a14="http://schemas.microsoft.com/office/drawing/2010/main" val="0"/>
+              </a:ext>
+            </a:extLst>
+          </a:blip>
+          <a:srcRect/>
+          <a:stretch>
+            <a:fillRect/>
+          </a:stretch>
+        </p:blipFill>
+        <p:spPr bwMode="auto">
+          <a:xfrm>
+            <a:off x="3491880" y="2636912"/>
+            <a:ext cx="5260075" cy="3304406"/>
+          </a:xfrm>
+          <a:prstGeom prst="rect">
+            <a:avLst/>
+          </a:prstGeom>
+          <a:noFill/>
+          <a:ln>
+            <a:noFill/>
+          </a:ln>
+          <a:effectLst/>
+          <a:extLst>
+            <a:ext uri="{909E8E84-426E-40DD-AFC4-6F175D3DCCD1}">
+              <a14:hiddenFill xmlns:a14="http://schemas.microsoft.com/office/drawing/2010/main">
+                <a:solidFill>
+                  <a:schemeClr val="accent1"/>
+                </a:solidFill>
+              </a14:hiddenFill>
+            </a:ext>
+            <a:ext uri="{91240B29-F687-4F45-9708-019B960494DF}">
+              <a14:hiddenLine xmlns:a14="http://schemas.microsoft.com/office/drawing/2010/main" w="9525">
+                <a:solidFill>
+                  <a:schemeClr val="tx1"/>
+                </a:solidFill>
+                <a:miter lim="800000"/>
+                <a:headEnd/>
+                <a:tailEnd/>
+              </a14:hiddenLine>
+            </a:ext>
+            <a:ext uri="{AF507438-7753-43E0-B8FC-AC1667EBCBE1}">
+              <a14:hiddenEffects xmlns:a14="http://schemas.microsoft.com/office/drawing/2010/main">
+                <a:effectLst>
+                  <a:outerShdw dist="35921" dir="2700000" algn="ctr" rotWithShape="0">
+                    <a:schemeClr val="bg2"/>
+                  </a:outerShdw>
+                </a:effectLst>
+              </a14:hiddenEffects>
+            </a:ext>
+          </a:extLst>
+        </p:spPr>
+      </p:pic>
+      <p:sp>
+        <p:nvSpPr>
+          <p:cNvPr id="5" name="TextBox 4"/>
+          <p:cNvSpPr txBox="1"/>
+          <p:nvPr/>
+        </p:nvSpPr>
+        <p:spPr>
+          <a:xfrm>
+            <a:off x="2555776" y="5013176"/>
+            <a:ext cx="3096344" cy="646331"/>
+          </a:xfrm>
+          <a:prstGeom prst="rect">
+            <a:avLst/>
+          </a:prstGeom>
+        </p:spPr>
+        <p:style>
+          <a:lnRef idx="3">
+            <a:schemeClr val="lt1"/>
+          </a:lnRef>
+          <a:fillRef idx="1">
+            <a:schemeClr val="accent1"/>
+          </a:fillRef>
+          <a:effectRef idx="1">
+            <a:schemeClr val="accent1"/>
+          </a:effectRef>
+          <a:fontRef idx="minor">
+            <a:schemeClr val="lt1"/>
+          </a:fontRef>
+        </p:style>
+        <p:txBody>
+          <a:bodyPr wrap="square" rtlCol="0">
+            <a:spAutoFit/>
+          </a:bodyPr>
+          <a:lstStyle/>
+          <a:p>
+            <a:r>
+              <a:rPr lang="zh-CN" altLang="en-US" dirty="0" smtClean="0"/>
+              <a:t>获取</a:t>
+            </a:r>
+            <a:r>
+              <a:rPr lang="en-US" altLang="zh-CN" dirty="0" err="1" smtClean="0"/>
+              <a:t>google</a:t>
+            </a:r>
+            <a:r>
+              <a:rPr lang="zh-CN" altLang="en-US" dirty="0" smtClean="0"/>
+              <a:t>与</a:t>
+            </a:r>
+            <a:r>
+              <a:rPr lang="en-US" altLang="zh-CN" dirty="0" err="1" smtClean="0"/>
+              <a:t>bing</a:t>
+            </a:r>
+            <a:r>
+              <a:rPr lang="en-US" altLang="zh-CN" dirty="0" smtClean="0"/>
+              <a:t> </a:t>
+            </a:r>
+            <a:r>
+              <a:rPr lang="zh-CN" altLang="en-US" dirty="0" smtClean="0"/>
+              <a:t>的翻译结果，返回给用户</a:t>
+            </a:r>
+            <a:endParaRPr lang="zh-CN" altLang="en-US" dirty="0"/>
+          </a:p>
+        </p:txBody>
+      </p:sp>
+    </p:spTree>
+    <p:extLst>
+      <p:ext uri="{BB962C8B-B14F-4D97-AF65-F5344CB8AC3E}">
+        <p14:creationId xmlns:p14="http://schemas.microsoft.com/office/powerpoint/2010/main" val="2344028158"/>
+      </p:ext>
+    </p:extLst>
+  </p:cSld>
+  <p:clrMapOvr>
+    <a:masterClrMapping/>
+  </p:clrMapOvr>
+  <mc:AlternateContent xmlns:mc="http://schemas.openxmlformats.org/markup-compatibility/2006">
+    <mc:Choice xmlns:p14="http://schemas.microsoft.com/office/powerpoint/2010/main" Requires="p14">
+      <p:transition spd="med" p14:dur="700">
+        <p:fade/>
+      </p:transition>
+    </mc:Choice>
+    <mc:Fallback>
+      <p:transition spd="med">
+        <p:fade/>
+      </p:transition>
+    </mc:Fallback>
+  </mc:AlternateContent>
+  <p:timing>
+    <p:tnLst>
+      <p:par>
+        <p:cTn id="1" dur="indefinite" restart="never" nodeType="tmRoot"/>
+      </p:par>
+    </p:tnLst>
+  </p:timing>
+</p:sld>
+</file>
+
+<file path=ppt/slides/slide6.xml><?xml version="1.0" encoding="utf-8"?>
+<p:sld xmlns:a="http://schemas.openxmlformats.org/drawingml/2006/main" xmlns:r="http://schemas.openxmlformats.org/officeDocument/2006/relationships" xmlns:p="http://schemas.openxmlformats.org/presentationml/2006/main">
+  <p:cSld>
+    <p:spTree>
+      <p:nvGrpSpPr>
+        <p:cNvPr id="1" name=""/>
+        <p:cNvGrpSpPr/>
+        <p:nvPr/>
+      </p:nvGrpSpPr>
+      <p:grpSpPr>
+        <a:xfrm>
+          <a:off x="0" y="0"/>
+          <a:ext cx="0" cy="0"/>
+          <a:chOff x="0" y="0"/>
+          <a:chExt cx="0" cy="0"/>
+        </a:xfrm>
+      </p:grpSpPr>
+      <p:sp>
+        <p:nvSpPr>
+          <p:cNvPr id="2" name="内容占位符 1"/>
+          <p:cNvSpPr>
+            <a:spLocks noGrp="1"/>
+          </p:cNvSpPr>
+          <p:nvPr>
+            <p:ph idx="1"/>
+          </p:nvPr>
+        </p:nvSpPr>
+        <p:spPr>
+          <a:xfrm>
+            <a:off x="872067" y="2675467"/>
+            <a:ext cx="2403789" cy="969557"/>
+          </a:xfrm>
+        </p:spPr>
+        <p:txBody>
+          <a:bodyPr/>
+          <a:lstStyle/>
+          <a:p>
+            <a:r>
+              <a:rPr lang="zh-CN" altLang="en-US" dirty="0" smtClean="0"/>
+              <a:t>登陆系统</a:t>
+            </a:r>
+            <a:endParaRPr lang="zh-CN" altLang="en-US" dirty="0"/>
+          </a:p>
+        </p:txBody>
+      </p:sp>
+      <p:sp>
+        <p:nvSpPr>
+          <p:cNvPr id="3" name="标题 2"/>
+          <p:cNvSpPr>
+            <a:spLocks noGrp="1"/>
+          </p:cNvSpPr>
+          <p:nvPr>
+            <p:ph type="title"/>
+          </p:nvPr>
+        </p:nvSpPr>
+        <p:spPr/>
+        <p:txBody>
+          <a:bodyPr/>
+          <a:lstStyle/>
+          <a:p>
+            <a:r>
+              <a:rPr lang="zh-CN" altLang="en-US" dirty="0" smtClean="0"/>
+              <a:t>外部系统：</a:t>
+            </a:r>
+            <a:r>
+              <a:rPr lang="en-US" altLang="zh-CN" dirty="0" err="1" smtClean="0"/>
+              <a:t>jaccount</a:t>
+            </a:r>
+            <a:r>
+              <a:rPr lang="zh-CN" altLang="en-US" dirty="0" smtClean="0"/>
+              <a:t>登陆系统</a:t>
+            </a:r>
+            <a:endParaRPr lang="zh-CN" altLang="en-US" dirty="0"/>
+          </a:p>
+        </p:txBody>
+      </p:sp>
+      <p:sp>
+        <p:nvSpPr>
+          <p:cNvPr id="4" name="TextBox 3"/>
+          <p:cNvSpPr txBox="1"/>
+          <p:nvPr/>
+        </p:nvSpPr>
+        <p:spPr>
+          <a:xfrm>
+            <a:off x="2915816" y="4797151"/>
+            <a:ext cx="3528392" cy="369332"/>
+          </a:xfrm>
+          <a:prstGeom prst="rect">
+            <a:avLst/>
+          </a:prstGeom>
+          <a:noFill/>
+        </p:spPr>
+        <p:txBody>
+          <a:bodyPr wrap="square" rtlCol="0">
+            <a:spAutoFit/>
+          </a:bodyPr>
+          <a:lstStyle/>
+          <a:p>
+            <a:r>
+              <a:rPr lang="zh-CN" altLang="en-US" dirty="0" smtClean="0"/>
+              <a:t>服务器获取</a:t>
+            </a:r>
+            <a:r>
+              <a:rPr lang="en-US" altLang="zh-CN" dirty="0" smtClean="0"/>
+              <a:t>ticket</a:t>
+            </a:r>
+            <a:r>
+              <a:rPr lang="zh-CN" altLang="en-US" dirty="0" smtClean="0"/>
+              <a:t>并进行验证</a:t>
+            </a:r>
+            <a:endParaRPr lang="zh-CN" altLang="en-US" dirty="0"/>
+          </a:p>
+        </p:txBody>
+      </p:sp>
+      <p:pic>
+        <p:nvPicPr>
+          <p:cNvPr id="2052" name="Picture 4"/>
+          <p:cNvPicPr>
+            <a:picLocks noChangeAspect="1" noChangeArrowheads="1"/>
+          </p:cNvPicPr>
+          <p:nvPr/>
+        </p:nvPicPr>
+        <p:blipFill>
+          <a:blip r:embed="rId2">
+            <a:extLst>
+              <a:ext uri="{28A0092B-C50C-407E-A947-70E740481C1C}">
+                <a14:useLocalDpi xmlns:a14="http://schemas.microsoft.com/office/drawing/2010/main" val="0"/>
+              </a:ext>
+            </a:extLst>
+          </a:blip>
+          <a:srcRect/>
+          <a:stretch>
+            <a:fillRect/>
+          </a:stretch>
+        </p:blipFill>
+        <p:spPr bwMode="auto">
+          <a:xfrm>
+            <a:off x="3059832" y="2728913"/>
+            <a:ext cx="5600700" cy="1400175"/>
+          </a:xfrm>
+          <a:prstGeom prst="rect">
+            <a:avLst/>
+          </a:prstGeom>
+          <a:noFill/>
+          <a:ln>
+            <a:noFill/>
+          </a:ln>
+          <a:effectLst/>
+          <a:extLst>
+            <a:ext uri="{909E8E84-426E-40DD-AFC4-6F175D3DCCD1}">
+              <a14:hiddenFill xmlns:a14="http://schemas.microsoft.com/office/drawing/2010/main">
+                <a:solidFill>
+                  <a:schemeClr val="accent1"/>
+                </a:solidFill>
+              </a14:hiddenFill>
+            </a:ext>
+            <a:ext uri="{91240B29-F687-4F45-9708-019B960494DF}">
+              <a14:hiddenLine xmlns:a14="http://schemas.microsoft.com/office/drawing/2010/main" w="9525">
+                <a:solidFill>
+                  <a:schemeClr val="tx1"/>
+                </a:solidFill>
+                <a:miter lim="800000"/>
+                <a:headEnd/>
+                <a:tailEnd/>
+              </a14:hiddenLine>
+            </a:ext>
+            <a:ext uri="{AF507438-7753-43E0-B8FC-AC1667EBCBE1}">
+              <a14:hiddenEffects xmlns:a14="http://schemas.microsoft.com/office/drawing/2010/main">
+                <a:effectLst>
+                  <a:outerShdw dist="35921" dir="2700000" algn="ctr" rotWithShape="0">
+                    <a:schemeClr val="bg2"/>
+                  </a:outerShdw>
+                </a:effectLst>
+              </a14:hiddenEffects>
+            </a:ext>
+          </a:extLst>
+        </p:spPr>
+      </p:pic>
+    </p:spTree>
+    <p:extLst>
+      <p:ext uri="{BB962C8B-B14F-4D97-AF65-F5344CB8AC3E}">
+        <p14:creationId xmlns:p14="http://schemas.microsoft.com/office/powerpoint/2010/main" val="843191546"/>
+      </p:ext>
+    </p:extLst>
+  </p:cSld>
+  <p:clrMapOvr>
+    <a:masterClrMapping/>
+  </p:clrMapOvr>
+  <mc:AlternateContent xmlns:mc="http://schemas.openxmlformats.org/markup-compatibility/2006">
+    <mc:Choice xmlns:p14="http://schemas.microsoft.com/office/powerpoint/2010/main" Requires="p14">
+      <p:transition spd="med" p14:dur="700">
+        <p:fade/>
+      </p:transition>
+    </mc:Choice>
+    <mc:Fallback>
+      <p:transition spd="med">
+        <p:fade/>
+      </p:transition>
+    </mc:Fallback>
+  </mc:AlternateContent>
   <p:timing>
     <p:tnLst>
       <p:par>
